--- a/SQL to DTD, XSD, and XML.pptx
+++ b/SQL to DTD, XSD, and XML.pptx
@@ -3595,6 +3595,13 @@
     <dgm:pt modelId="{22FB44DA-C928-4387-B026-8530B8BDD5D7}" type="pres">
       <dgm:prSet presAssocID="{31A511EF-82E6-46F2-8D56-3B41766940E2}" presName="circ1" presStyleLbl="vennNode1" presStyleIdx="0" presStyleCnt="4"/>
       <dgm:spPr/>
+      <dgm:t>
+        <a:bodyPr/>
+        <a:lstStyle/>
+        <a:p>
+          <a:endParaRPr lang="en-US"/>
+        </a:p>
+      </dgm:t>
     </dgm:pt>
     <dgm:pt modelId="{7AB5939A-09FD-457D-8364-2463FA124054}" type="pres">
       <dgm:prSet presAssocID="{31A511EF-82E6-46F2-8D56-3B41766940E2}" presName="circ1Tx" presStyleLbl="revTx" presStyleIdx="0" presStyleCnt="0">
@@ -3605,10 +3612,24 @@
         </dgm:presLayoutVars>
       </dgm:prSet>
       <dgm:spPr/>
+      <dgm:t>
+        <a:bodyPr/>
+        <a:lstStyle/>
+        <a:p>
+          <a:endParaRPr lang="en-US"/>
+        </a:p>
+      </dgm:t>
     </dgm:pt>
     <dgm:pt modelId="{27C9E895-11CE-41C6-ACB6-0B7DF2E7BF75}" type="pres">
       <dgm:prSet presAssocID="{7857A2B9-82F1-47E0-A1E4-CF4F93602F77}" presName="circ2" presStyleLbl="vennNode1" presStyleIdx="1" presStyleCnt="4"/>
       <dgm:spPr/>
+      <dgm:t>
+        <a:bodyPr/>
+        <a:lstStyle/>
+        <a:p>
+          <a:endParaRPr lang="en-US"/>
+        </a:p>
+      </dgm:t>
     </dgm:pt>
     <dgm:pt modelId="{1C55AD7E-CE27-4395-8F69-0864A66B894A}" type="pres">
       <dgm:prSet presAssocID="{7857A2B9-82F1-47E0-A1E4-CF4F93602F77}" presName="circ2Tx" presStyleLbl="revTx" presStyleIdx="0" presStyleCnt="0">
@@ -3619,10 +3640,24 @@
         </dgm:presLayoutVars>
       </dgm:prSet>
       <dgm:spPr/>
+      <dgm:t>
+        <a:bodyPr/>
+        <a:lstStyle/>
+        <a:p>
+          <a:endParaRPr lang="en-US"/>
+        </a:p>
+      </dgm:t>
     </dgm:pt>
     <dgm:pt modelId="{5E21A6BE-D36A-4A69-937B-6913B5BC53D3}" type="pres">
       <dgm:prSet presAssocID="{72E6E978-ACDC-4EB6-A64E-0818A3CE1713}" presName="circ3" presStyleLbl="vennNode1" presStyleIdx="2" presStyleCnt="4"/>
       <dgm:spPr/>
+      <dgm:t>
+        <a:bodyPr/>
+        <a:lstStyle/>
+        <a:p>
+          <a:endParaRPr lang="en-US"/>
+        </a:p>
+      </dgm:t>
     </dgm:pt>
     <dgm:pt modelId="{FFE0333B-729E-42FE-A7C0-800B2F2696E1}" type="pres">
       <dgm:prSet presAssocID="{72E6E978-ACDC-4EB6-A64E-0818A3CE1713}" presName="circ3Tx" presStyleLbl="revTx" presStyleIdx="0" presStyleCnt="0">
@@ -3633,10 +3668,24 @@
         </dgm:presLayoutVars>
       </dgm:prSet>
       <dgm:spPr/>
+      <dgm:t>
+        <a:bodyPr/>
+        <a:lstStyle/>
+        <a:p>
+          <a:endParaRPr lang="en-US"/>
+        </a:p>
+      </dgm:t>
     </dgm:pt>
     <dgm:pt modelId="{2099A668-C280-49D5-BCD8-5B0BBA1B23FB}" type="pres">
       <dgm:prSet presAssocID="{3F365547-0919-4C94-A54E-69A7DF73309A}" presName="circ4" presStyleLbl="vennNode1" presStyleIdx="3" presStyleCnt="4"/>
       <dgm:spPr/>
+      <dgm:t>
+        <a:bodyPr/>
+        <a:lstStyle/>
+        <a:p>
+          <a:endParaRPr lang="en-US"/>
+        </a:p>
+      </dgm:t>
     </dgm:pt>
     <dgm:pt modelId="{53047548-4711-4986-80C0-2FC135E160F7}" type="pres">
       <dgm:prSet presAssocID="{3F365547-0919-4C94-A54E-69A7DF73309A}" presName="circ4Tx" presStyleLbl="revTx" presStyleIdx="0" presStyleCnt="0">
@@ -3647,6 +3696,13 @@
         </dgm:presLayoutVars>
       </dgm:prSet>
       <dgm:spPr/>
+      <dgm:t>
+        <a:bodyPr/>
+        <a:lstStyle/>
+        <a:p>
+          <a:endParaRPr lang="en-US"/>
+        </a:p>
+      </dgm:t>
     </dgm:pt>
   </dgm:ptLst>
   <dgm:cxnLst>
@@ -3922,10 +3978,24 @@
         </dgm:presLayoutVars>
       </dgm:prSet>
       <dgm:spPr/>
+      <dgm:t>
+        <a:bodyPr/>
+        <a:lstStyle/>
+        <a:p>
+          <a:endParaRPr lang="en-US"/>
+        </a:p>
+      </dgm:t>
     </dgm:pt>
     <dgm:pt modelId="{4D5002D5-010C-429B-8E83-03E155A5B707}" type="pres">
       <dgm:prSet presAssocID="{CD789EEF-4B5E-43DD-B856-0213893032FF}" presName="centerShape" presStyleLbl="node0" presStyleIdx="0" presStyleCnt="1"/>
       <dgm:spPr/>
+      <dgm:t>
+        <a:bodyPr/>
+        <a:lstStyle/>
+        <a:p>
+          <a:endParaRPr lang="en-US"/>
+        </a:p>
+      </dgm:t>
     </dgm:pt>
     <dgm:pt modelId="{706397F1-7B6F-4F90-B867-7FA944DD4D4B}" type="pres">
       <dgm:prSet presAssocID="{73944C55-B574-4912-B6D4-96704765C5DA}" presName="node" presStyleLbl="node1" presStyleIdx="0" presStyleCnt="5">
@@ -3934,6 +4004,13 @@
         </dgm:presLayoutVars>
       </dgm:prSet>
       <dgm:spPr/>
+      <dgm:t>
+        <a:bodyPr/>
+        <a:lstStyle/>
+        <a:p>
+          <a:endParaRPr lang="en-US"/>
+        </a:p>
+      </dgm:t>
     </dgm:pt>
     <dgm:pt modelId="{A0B88965-212A-4123-9D63-12A248FA925A}" type="pres">
       <dgm:prSet presAssocID="{73944C55-B574-4912-B6D4-96704765C5DA}" presName="dummy" presStyleCnt="0"/>
@@ -3942,6 +4019,13 @@
     <dgm:pt modelId="{595DC414-F427-4721-AA99-74967B2EEB24}" type="pres">
       <dgm:prSet presAssocID="{EA3F9B71-30C2-492E-9E0D-5C84A662F1B5}" presName="sibTrans" presStyleLbl="sibTrans2D1" presStyleIdx="0" presStyleCnt="5"/>
       <dgm:spPr/>
+      <dgm:t>
+        <a:bodyPr/>
+        <a:lstStyle/>
+        <a:p>
+          <a:endParaRPr lang="en-US"/>
+        </a:p>
+      </dgm:t>
     </dgm:pt>
     <dgm:pt modelId="{29583AF0-0E28-42A0-8D81-653A8B81695C}" type="pres">
       <dgm:prSet presAssocID="{3F284474-E89D-4B8C-8975-E7FAEEABCBB5}" presName="node" presStyleLbl="node1" presStyleIdx="1" presStyleCnt="5">
@@ -3950,6 +4034,13 @@
         </dgm:presLayoutVars>
       </dgm:prSet>
       <dgm:spPr/>
+      <dgm:t>
+        <a:bodyPr/>
+        <a:lstStyle/>
+        <a:p>
+          <a:endParaRPr lang="en-US"/>
+        </a:p>
+      </dgm:t>
     </dgm:pt>
     <dgm:pt modelId="{F2E2005A-DBC6-43A8-9630-F0ABCB94D084}" type="pres">
       <dgm:prSet presAssocID="{3F284474-E89D-4B8C-8975-E7FAEEABCBB5}" presName="dummy" presStyleCnt="0"/>
@@ -3958,6 +4049,13 @@
     <dgm:pt modelId="{09FAE67E-6718-4FEB-B58F-524E280EC826}" type="pres">
       <dgm:prSet presAssocID="{7259A812-0082-4ED4-99CB-FC40BD4FF4CF}" presName="sibTrans" presStyleLbl="sibTrans2D1" presStyleIdx="1" presStyleCnt="5"/>
       <dgm:spPr/>
+      <dgm:t>
+        <a:bodyPr/>
+        <a:lstStyle/>
+        <a:p>
+          <a:endParaRPr lang="en-US"/>
+        </a:p>
+      </dgm:t>
     </dgm:pt>
     <dgm:pt modelId="{59E2355A-1EAB-4CCA-AC8F-02D9581B17F5}" type="pres">
       <dgm:prSet presAssocID="{69EBE7D1-BE70-46BE-9D79-C5814DB3A871}" presName="node" presStyleLbl="node1" presStyleIdx="2" presStyleCnt="5">
@@ -3966,6 +4064,13 @@
         </dgm:presLayoutVars>
       </dgm:prSet>
       <dgm:spPr/>
+      <dgm:t>
+        <a:bodyPr/>
+        <a:lstStyle/>
+        <a:p>
+          <a:endParaRPr lang="en-US"/>
+        </a:p>
+      </dgm:t>
     </dgm:pt>
     <dgm:pt modelId="{865A8E88-F3D1-4E89-BCE2-9EFAADBA6646}" type="pres">
       <dgm:prSet presAssocID="{69EBE7D1-BE70-46BE-9D79-C5814DB3A871}" presName="dummy" presStyleCnt="0"/>
@@ -3974,6 +4079,13 @@
     <dgm:pt modelId="{CF81F1FF-65F4-4B12-B585-A2C6DFD41A08}" type="pres">
       <dgm:prSet presAssocID="{307D811D-5444-4AA7-9B96-1D0EAD280298}" presName="sibTrans" presStyleLbl="sibTrans2D1" presStyleIdx="2" presStyleCnt="5"/>
       <dgm:spPr/>
+      <dgm:t>
+        <a:bodyPr/>
+        <a:lstStyle/>
+        <a:p>
+          <a:endParaRPr lang="en-US"/>
+        </a:p>
+      </dgm:t>
     </dgm:pt>
     <dgm:pt modelId="{DEF63668-B5CC-4B19-9781-A439DB715929}" type="pres">
       <dgm:prSet presAssocID="{934E904C-2930-48B2-8587-2193A99A0C68}" presName="node" presStyleLbl="node1" presStyleIdx="3" presStyleCnt="5">
@@ -3982,6 +4094,13 @@
         </dgm:presLayoutVars>
       </dgm:prSet>
       <dgm:spPr/>
+      <dgm:t>
+        <a:bodyPr/>
+        <a:lstStyle/>
+        <a:p>
+          <a:endParaRPr lang="en-US"/>
+        </a:p>
+      </dgm:t>
     </dgm:pt>
     <dgm:pt modelId="{FB6AF957-C5C6-42D6-B141-782B0688E00F}" type="pres">
       <dgm:prSet presAssocID="{934E904C-2930-48B2-8587-2193A99A0C68}" presName="dummy" presStyleCnt="0"/>
@@ -3990,6 +4109,13 @@
     <dgm:pt modelId="{0A99646A-DC8B-4820-AB30-806A2969E974}" type="pres">
       <dgm:prSet presAssocID="{AF992532-F1C5-49FB-97CF-BBDE63990D2E}" presName="sibTrans" presStyleLbl="sibTrans2D1" presStyleIdx="3" presStyleCnt="5"/>
       <dgm:spPr/>
+      <dgm:t>
+        <a:bodyPr/>
+        <a:lstStyle/>
+        <a:p>
+          <a:endParaRPr lang="en-US"/>
+        </a:p>
+      </dgm:t>
     </dgm:pt>
     <dgm:pt modelId="{DA035073-3C95-428D-888D-88D84B959E42}" type="pres">
       <dgm:prSet presAssocID="{4E6389A8-06FC-4C03-B153-42D3474C55AA}" presName="node" presStyleLbl="node1" presStyleIdx="4" presStyleCnt="5">
@@ -3998,6 +4124,13 @@
         </dgm:presLayoutVars>
       </dgm:prSet>
       <dgm:spPr/>
+      <dgm:t>
+        <a:bodyPr/>
+        <a:lstStyle/>
+        <a:p>
+          <a:endParaRPr lang="en-US"/>
+        </a:p>
+      </dgm:t>
     </dgm:pt>
     <dgm:pt modelId="{A69A1A16-AE82-48D0-8A32-22E5B79EE2CB}" type="pres">
       <dgm:prSet presAssocID="{4E6389A8-06FC-4C03-B153-42D3474C55AA}" presName="dummy" presStyleCnt="0"/>
@@ -4006,6 +4139,13 @@
     <dgm:pt modelId="{5CBFE174-2633-4C76-9E34-B9E6281630FC}" type="pres">
       <dgm:prSet presAssocID="{EAA65136-0586-4A18-8E15-B49CA4E3CBD5}" presName="sibTrans" presStyleLbl="sibTrans2D1" presStyleIdx="4" presStyleCnt="5"/>
       <dgm:spPr/>
+      <dgm:t>
+        <a:bodyPr/>
+        <a:lstStyle/>
+        <a:p>
+          <a:endParaRPr lang="en-US"/>
+        </a:p>
+      </dgm:t>
     </dgm:pt>
   </dgm:ptLst>
   <dgm:cxnLst>
@@ -4258,10 +4398,24 @@
         </dgm:presLayoutVars>
       </dgm:prSet>
       <dgm:spPr/>
+      <dgm:t>
+        <a:bodyPr/>
+        <a:lstStyle/>
+        <a:p>
+          <a:endParaRPr lang="en-US"/>
+        </a:p>
+      </dgm:t>
     </dgm:pt>
     <dgm:pt modelId="{4D5002D5-010C-429B-8E83-03E155A5B707}" type="pres">
       <dgm:prSet presAssocID="{CD789EEF-4B5E-43DD-B856-0213893032FF}" presName="centerShape" presStyleLbl="node0" presStyleIdx="0" presStyleCnt="1"/>
       <dgm:spPr/>
+      <dgm:t>
+        <a:bodyPr/>
+        <a:lstStyle/>
+        <a:p>
+          <a:endParaRPr lang="en-US"/>
+        </a:p>
+      </dgm:t>
     </dgm:pt>
     <dgm:pt modelId="{BD6582BC-7D62-4B6F-A5D1-0AE57EEA3EFD}" type="pres">
       <dgm:prSet presAssocID="{8EBA43C8-9012-4EA0-B106-6FE159AD46CF}" presName="node" presStyleLbl="node1" presStyleIdx="0" presStyleCnt="4">
@@ -4270,6 +4424,13 @@
         </dgm:presLayoutVars>
       </dgm:prSet>
       <dgm:spPr/>
+      <dgm:t>
+        <a:bodyPr/>
+        <a:lstStyle/>
+        <a:p>
+          <a:endParaRPr lang="en-US"/>
+        </a:p>
+      </dgm:t>
     </dgm:pt>
     <dgm:pt modelId="{2E112B4B-4AC3-4523-B3DE-6ACAE9149B68}" type="pres">
       <dgm:prSet presAssocID="{8EBA43C8-9012-4EA0-B106-6FE159AD46CF}" presName="dummy" presStyleCnt="0"/>
@@ -4278,6 +4439,13 @@
     <dgm:pt modelId="{15FB489D-4744-42DD-8ABC-D9C0418A6E88}" type="pres">
       <dgm:prSet presAssocID="{D145ACA9-EADF-427B-B057-A3789CC70F81}" presName="sibTrans" presStyleLbl="sibTrans2D1" presStyleIdx="0" presStyleCnt="4"/>
       <dgm:spPr/>
+      <dgm:t>
+        <a:bodyPr/>
+        <a:lstStyle/>
+        <a:p>
+          <a:endParaRPr lang="en-US"/>
+        </a:p>
+      </dgm:t>
     </dgm:pt>
     <dgm:pt modelId="{4F208FBD-60FE-4384-9727-45010A37DD1D}" type="pres">
       <dgm:prSet presAssocID="{82641D75-9AAE-4A95-A785-B579F086A951}" presName="node" presStyleLbl="node1" presStyleIdx="1" presStyleCnt="4">
@@ -4286,6 +4454,13 @@
         </dgm:presLayoutVars>
       </dgm:prSet>
       <dgm:spPr/>
+      <dgm:t>
+        <a:bodyPr/>
+        <a:lstStyle/>
+        <a:p>
+          <a:endParaRPr lang="en-US"/>
+        </a:p>
+      </dgm:t>
     </dgm:pt>
     <dgm:pt modelId="{BBC2EDEE-32E3-4BDB-B215-605DDF0C74F0}" type="pres">
       <dgm:prSet presAssocID="{82641D75-9AAE-4A95-A785-B579F086A951}" presName="dummy" presStyleCnt="0"/>
@@ -4294,6 +4469,13 @@
     <dgm:pt modelId="{C093E4FB-CA0B-4CA5-854F-D3A5B8D8DFC5}" type="pres">
       <dgm:prSet presAssocID="{37AB307F-421F-4976-BC33-C87760AA27EE}" presName="sibTrans" presStyleLbl="sibTrans2D1" presStyleIdx="1" presStyleCnt="4"/>
       <dgm:spPr/>
+      <dgm:t>
+        <a:bodyPr/>
+        <a:lstStyle/>
+        <a:p>
+          <a:endParaRPr lang="en-US"/>
+        </a:p>
+      </dgm:t>
     </dgm:pt>
     <dgm:pt modelId="{62E303EC-C8C6-4276-B158-8579C8E5C923}" type="pres">
       <dgm:prSet presAssocID="{F996E586-D5C4-4739-8868-B0FD782805CC}" presName="node" presStyleLbl="node1" presStyleIdx="2" presStyleCnt="4">
@@ -4302,6 +4484,13 @@
         </dgm:presLayoutVars>
       </dgm:prSet>
       <dgm:spPr/>
+      <dgm:t>
+        <a:bodyPr/>
+        <a:lstStyle/>
+        <a:p>
+          <a:endParaRPr lang="en-US"/>
+        </a:p>
+      </dgm:t>
     </dgm:pt>
     <dgm:pt modelId="{31A2799F-64DE-4E36-B542-1549C40080F4}" type="pres">
       <dgm:prSet presAssocID="{F996E586-D5C4-4739-8868-B0FD782805CC}" presName="dummy" presStyleCnt="0"/>
@@ -4310,6 +4499,13 @@
     <dgm:pt modelId="{D8D156EC-0ECD-4B80-8721-D603008A70E6}" type="pres">
       <dgm:prSet presAssocID="{CB1BA7E0-042C-43AE-8BAA-00CD48E7B9DE}" presName="sibTrans" presStyleLbl="sibTrans2D1" presStyleIdx="2" presStyleCnt="4"/>
       <dgm:spPr/>
+      <dgm:t>
+        <a:bodyPr/>
+        <a:lstStyle/>
+        <a:p>
+          <a:endParaRPr lang="en-US"/>
+        </a:p>
+      </dgm:t>
     </dgm:pt>
     <dgm:pt modelId="{B7D94DD8-4746-4DB5-A9B7-87F44BD7DA33}" type="pres">
       <dgm:prSet presAssocID="{E527DF91-8269-47C0-8443-B92A933E55C7}" presName="node" presStyleLbl="node1" presStyleIdx="3" presStyleCnt="4">
@@ -4318,6 +4514,13 @@
         </dgm:presLayoutVars>
       </dgm:prSet>
       <dgm:spPr/>
+      <dgm:t>
+        <a:bodyPr/>
+        <a:lstStyle/>
+        <a:p>
+          <a:endParaRPr lang="en-US"/>
+        </a:p>
+      </dgm:t>
     </dgm:pt>
     <dgm:pt modelId="{56C84233-446D-4539-836F-DEBC1E093A99}" type="pres">
       <dgm:prSet presAssocID="{E527DF91-8269-47C0-8443-B92A933E55C7}" presName="dummy" presStyleCnt="0"/>
@@ -4326,6 +4529,13 @@
     <dgm:pt modelId="{31F06B5A-2195-4E59-80BD-B28AD7D69EF8}" type="pres">
       <dgm:prSet presAssocID="{163C7DFC-4527-47BF-B087-0E294A8FBDC1}" presName="sibTrans" presStyleLbl="sibTrans2D1" presStyleIdx="3" presStyleCnt="4"/>
       <dgm:spPr/>
+      <dgm:t>
+        <a:bodyPr/>
+        <a:lstStyle/>
+        <a:p>
+          <a:endParaRPr lang="en-US"/>
+        </a:p>
+      </dgm:t>
     </dgm:pt>
   </dgm:ptLst>
   <dgm:cxnLst>
@@ -4572,10 +4782,24 @@
         </dgm:presLayoutVars>
       </dgm:prSet>
       <dgm:spPr/>
+      <dgm:t>
+        <a:bodyPr/>
+        <a:lstStyle/>
+        <a:p>
+          <a:endParaRPr lang="en-US"/>
+        </a:p>
+      </dgm:t>
     </dgm:pt>
     <dgm:pt modelId="{4D5002D5-010C-429B-8E83-03E155A5B707}" type="pres">
       <dgm:prSet presAssocID="{CD789EEF-4B5E-43DD-B856-0213893032FF}" presName="centerShape" presStyleLbl="node0" presStyleIdx="0" presStyleCnt="1"/>
       <dgm:spPr/>
+      <dgm:t>
+        <a:bodyPr/>
+        <a:lstStyle/>
+        <a:p>
+          <a:endParaRPr lang="en-US"/>
+        </a:p>
+      </dgm:t>
     </dgm:pt>
     <dgm:pt modelId="{BD6582BC-7D62-4B6F-A5D1-0AE57EEA3EFD}" type="pres">
       <dgm:prSet presAssocID="{8EBA43C8-9012-4EA0-B106-6FE159AD46CF}" presName="node" presStyleLbl="node1" presStyleIdx="0" presStyleCnt="4">
@@ -4584,6 +4808,13 @@
         </dgm:presLayoutVars>
       </dgm:prSet>
       <dgm:spPr/>
+      <dgm:t>
+        <a:bodyPr/>
+        <a:lstStyle/>
+        <a:p>
+          <a:endParaRPr lang="en-US"/>
+        </a:p>
+      </dgm:t>
     </dgm:pt>
     <dgm:pt modelId="{2E112B4B-4AC3-4523-B3DE-6ACAE9149B68}" type="pres">
       <dgm:prSet presAssocID="{8EBA43C8-9012-4EA0-B106-6FE159AD46CF}" presName="dummy" presStyleCnt="0"/>
@@ -4592,6 +4823,13 @@
     <dgm:pt modelId="{15FB489D-4744-42DD-8ABC-D9C0418A6E88}" type="pres">
       <dgm:prSet presAssocID="{D145ACA9-EADF-427B-B057-A3789CC70F81}" presName="sibTrans" presStyleLbl="sibTrans2D1" presStyleIdx="0" presStyleCnt="4"/>
       <dgm:spPr/>
+      <dgm:t>
+        <a:bodyPr/>
+        <a:lstStyle/>
+        <a:p>
+          <a:endParaRPr lang="en-US"/>
+        </a:p>
+      </dgm:t>
     </dgm:pt>
     <dgm:pt modelId="{FD270AAC-50A3-4636-B194-94E1C3F6E757}" type="pres">
       <dgm:prSet presAssocID="{50393109-4215-430A-83B7-DA6AC511BBB4}" presName="node" presStyleLbl="node1" presStyleIdx="1" presStyleCnt="4">
@@ -4600,6 +4838,13 @@
         </dgm:presLayoutVars>
       </dgm:prSet>
       <dgm:spPr/>
+      <dgm:t>
+        <a:bodyPr/>
+        <a:lstStyle/>
+        <a:p>
+          <a:endParaRPr lang="en-US"/>
+        </a:p>
+      </dgm:t>
     </dgm:pt>
     <dgm:pt modelId="{C710FEDE-8B84-48B5-A210-3EF4A3DDAC67}" type="pres">
       <dgm:prSet presAssocID="{50393109-4215-430A-83B7-DA6AC511BBB4}" presName="dummy" presStyleCnt="0"/>
@@ -4608,6 +4853,13 @@
     <dgm:pt modelId="{4B56FDDB-B44E-4281-A5F3-2F52349AD1BA}" type="pres">
       <dgm:prSet presAssocID="{A7AB3396-1C05-4844-AE94-8674FDE6C754}" presName="sibTrans" presStyleLbl="sibTrans2D1" presStyleIdx="1" presStyleCnt="4"/>
       <dgm:spPr/>
+      <dgm:t>
+        <a:bodyPr/>
+        <a:lstStyle/>
+        <a:p>
+          <a:endParaRPr lang="en-US"/>
+        </a:p>
+      </dgm:t>
     </dgm:pt>
     <dgm:pt modelId="{6F810E4F-8574-42C0-86A4-A217C02538AB}" type="pres">
       <dgm:prSet presAssocID="{90CC1A74-5FA2-4533-A7D3-9997BE508B7E}" presName="node" presStyleLbl="node1" presStyleIdx="2" presStyleCnt="4">
@@ -4616,6 +4868,13 @@
         </dgm:presLayoutVars>
       </dgm:prSet>
       <dgm:spPr/>
+      <dgm:t>
+        <a:bodyPr/>
+        <a:lstStyle/>
+        <a:p>
+          <a:endParaRPr lang="en-US"/>
+        </a:p>
+      </dgm:t>
     </dgm:pt>
     <dgm:pt modelId="{FF1D5B58-7BD0-4457-8595-5ED9D6677FD4}" type="pres">
       <dgm:prSet presAssocID="{90CC1A74-5FA2-4533-A7D3-9997BE508B7E}" presName="dummy" presStyleCnt="0"/>
@@ -4624,6 +4883,13 @@
     <dgm:pt modelId="{2A737C0B-BD58-4229-A1C3-E2A44E868CB9}" type="pres">
       <dgm:prSet presAssocID="{1C63C5B8-6BE7-4797-9F34-BD6AFDE7A4CD}" presName="sibTrans" presStyleLbl="sibTrans2D1" presStyleIdx="2" presStyleCnt="4"/>
       <dgm:spPr/>
+      <dgm:t>
+        <a:bodyPr/>
+        <a:lstStyle/>
+        <a:p>
+          <a:endParaRPr lang="en-US"/>
+        </a:p>
+      </dgm:t>
     </dgm:pt>
     <dgm:pt modelId="{65D72103-F6CF-452C-9010-CFD11BA6E749}" type="pres">
       <dgm:prSet presAssocID="{B336CD0B-2FAE-4744-A0E5-97102973AF98}" presName="node" presStyleLbl="node1" presStyleIdx="3" presStyleCnt="4">
@@ -4632,6 +4898,13 @@
         </dgm:presLayoutVars>
       </dgm:prSet>
       <dgm:spPr/>
+      <dgm:t>
+        <a:bodyPr/>
+        <a:lstStyle/>
+        <a:p>
+          <a:endParaRPr lang="en-US"/>
+        </a:p>
+      </dgm:t>
     </dgm:pt>
     <dgm:pt modelId="{82FCD261-8D10-444F-9BC7-E67A8370072E}" type="pres">
       <dgm:prSet presAssocID="{B336CD0B-2FAE-4744-A0E5-97102973AF98}" presName="dummy" presStyleCnt="0"/>
@@ -4640,6 +4913,13 @@
     <dgm:pt modelId="{229A783D-F5B2-4DCC-BA2E-5640D044789F}" type="pres">
       <dgm:prSet presAssocID="{B0BC49F9-573F-4CB9-A7E3-46163D43B0D1}" presName="sibTrans" presStyleLbl="sibTrans2D1" presStyleIdx="3" presStyleCnt="4"/>
       <dgm:spPr/>
+      <dgm:t>
+        <a:bodyPr/>
+        <a:lstStyle/>
+        <a:p>
+          <a:endParaRPr lang="en-US"/>
+        </a:p>
+      </dgm:t>
     </dgm:pt>
   </dgm:ptLst>
   <dgm:cxnLst>
@@ -4769,7 +5049,7 @@
         </a:bodyPr>
         <a:lstStyle/>
         <a:p>
-          <a:pPr marL="0" marR="0" lvl="0" indent="0" algn="ctr" defTabSz="622300" rtl="0" eaLnBrk="1" fontAlgn="base" latinLnBrk="0" hangingPunct="1">
+          <a:pPr marR="0" lvl="0" algn="ctr" defTabSz="622300" rtl="0" eaLnBrk="1" fontAlgn="base" latinLnBrk="0" hangingPunct="1">
             <a:lnSpc>
               <a:spcPct val="90000"/>
             </a:lnSpc>
@@ -4782,7 +5062,6 @@
             <a:buClrTx/>
             <a:buSzTx/>
             <a:buFontTx/>
-            <a:buNone/>
             <a:tabLst/>
           </a:pPr>
           <a:r>
@@ -4882,7 +5161,7 @@
         </a:bodyPr>
         <a:lstStyle/>
         <a:p>
-          <a:pPr marL="0" marR="0" lvl="0" indent="0" algn="ctr" defTabSz="622300" rtl="0" eaLnBrk="1" fontAlgn="base" latinLnBrk="0" hangingPunct="1">
+          <a:pPr marR="0" lvl="0" algn="ctr" defTabSz="622300" rtl="0" eaLnBrk="1" fontAlgn="base" latinLnBrk="0" hangingPunct="1">
             <a:lnSpc>
               <a:spcPct val="90000"/>
             </a:lnSpc>
@@ -4895,7 +5174,6 @@
             <a:buClrTx/>
             <a:buSzTx/>
             <a:buFontTx/>
-            <a:buNone/>
             <a:tabLst/>
           </a:pPr>
           <a:r>
@@ -4992,7 +5270,7 @@
         </a:bodyPr>
         <a:lstStyle/>
         <a:p>
-          <a:pPr marL="0" marR="0" lvl="0" indent="0" algn="ctr" defTabSz="622300" rtl="0" eaLnBrk="1" fontAlgn="base" latinLnBrk="0" hangingPunct="1">
+          <a:pPr marR="0" lvl="0" algn="ctr" defTabSz="622300" rtl="0" eaLnBrk="1" fontAlgn="base" latinLnBrk="0" hangingPunct="1">
             <a:lnSpc>
               <a:spcPct val="90000"/>
             </a:lnSpc>
@@ -5005,7 +5283,6 @@
             <a:buClrTx/>
             <a:buSzTx/>
             <a:buFontTx/>
-            <a:buNone/>
             <a:tabLst/>
           </a:pPr>
           <a:r>
@@ -5102,7 +5379,7 @@
         </a:bodyPr>
         <a:lstStyle/>
         <a:p>
-          <a:pPr marL="0" marR="0" lvl="0" indent="0" algn="ctr" defTabSz="622300" rtl="0" eaLnBrk="1" fontAlgn="base" latinLnBrk="0" hangingPunct="1">
+          <a:pPr marR="0" lvl="0" algn="ctr" defTabSz="622300" rtl="0" eaLnBrk="1" fontAlgn="base" latinLnBrk="0" hangingPunct="1">
             <a:lnSpc>
               <a:spcPct val="90000"/>
             </a:lnSpc>
@@ -5115,7 +5392,6 @@
             <a:buClrTx/>
             <a:buSzTx/>
             <a:buFontTx/>
-            <a:buNone/>
             <a:tabLst/>
           </a:pPr>
           <a:r>
@@ -5128,7 +5404,7 @@
           </a:r>
         </a:p>
         <a:p>
-          <a:pPr marL="0" marR="0" lvl="0" indent="0" algn="ctr" defTabSz="622300" rtl="0" eaLnBrk="1" fontAlgn="base" latinLnBrk="0" hangingPunct="1">
+          <a:pPr marR="0" lvl="0" algn="ctr" defTabSz="622300" rtl="0" eaLnBrk="1" fontAlgn="base" latinLnBrk="0" hangingPunct="1">
             <a:lnSpc>
               <a:spcPct val="90000"/>
             </a:lnSpc>
@@ -5141,7 +5417,6 @@
             <a:buClrTx/>
             <a:buSzTx/>
             <a:buFontTx/>
-            <a:buNone/>
             <a:tabLst/>
           </a:pPr>
           <a:r>
@@ -5456,7 +5731,7 @@
         </a:bodyPr>
         <a:lstStyle/>
         <a:p>
-          <a:pPr marL="0" lvl="0" indent="0" algn="ctr" defTabSz="577850">
+          <a:pPr lvl="0" algn="ctr" defTabSz="577850">
             <a:lnSpc>
               <a:spcPct val="90000"/>
             </a:lnSpc>
@@ -5466,7 +5741,6 @@
             <a:spcAft>
               <a:spcPct val="35000"/>
             </a:spcAft>
-            <a:buNone/>
           </a:pPr>
           <a:r>
             <a:rPr lang="en-US" sz="1300" kern="1200" dirty="0"/>
@@ -5534,7 +5808,7 @@
         </a:bodyPr>
         <a:lstStyle/>
         <a:p>
-          <a:pPr marL="0" lvl="0" indent="0" algn="ctr" defTabSz="444500">
+          <a:pPr lvl="0" algn="ctr" defTabSz="444500">
             <a:lnSpc>
               <a:spcPct val="90000"/>
             </a:lnSpc>
@@ -5544,7 +5818,6 @@
             <a:spcAft>
               <a:spcPct val="35000"/>
             </a:spcAft>
-            <a:buNone/>
           </a:pPr>
           <a:r>
             <a:rPr lang="en-US" sz="1000" kern="1200" dirty="0"/>
@@ -5612,7 +5885,7 @@
         </a:bodyPr>
         <a:lstStyle/>
         <a:p>
-          <a:pPr marL="0" lvl="0" indent="0" algn="ctr" defTabSz="444500">
+          <a:pPr lvl="0" algn="ctr" defTabSz="444500">
             <a:lnSpc>
               <a:spcPct val="90000"/>
             </a:lnSpc>
@@ -5622,7 +5895,6 @@
             <a:spcAft>
               <a:spcPct val="35000"/>
             </a:spcAft>
-            <a:buNone/>
           </a:pPr>
           <a:r>
             <a:rPr lang="en-US" sz="1000" kern="1200" dirty="0"/>
@@ -5690,7 +5962,7 @@
         </a:bodyPr>
         <a:lstStyle/>
         <a:p>
-          <a:pPr marL="0" lvl="0" indent="0" algn="ctr" defTabSz="444500">
+          <a:pPr lvl="0" algn="ctr" defTabSz="444500">
             <a:lnSpc>
               <a:spcPct val="90000"/>
             </a:lnSpc>
@@ -5700,7 +5972,6 @@
             <a:spcAft>
               <a:spcPct val="35000"/>
             </a:spcAft>
-            <a:buNone/>
           </a:pPr>
           <a:r>
             <a:rPr lang="en-US" sz="1000" kern="1200" dirty="0"/>
@@ -5768,7 +6039,7 @@
         </a:bodyPr>
         <a:lstStyle/>
         <a:p>
-          <a:pPr marL="0" lvl="0" indent="0" algn="ctr" defTabSz="444500">
+          <a:pPr lvl="0" algn="ctr" defTabSz="444500">
             <a:lnSpc>
               <a:spcPct val="90000"/>
             </a:lnSpc>
@@ -5778,7 +6049,6 @@
             <a:spcAft>
               <a:spcPct val="35000"/>
             </a:spcAft>
-            <a:buNone/>
           </a:pPr>
           <a:r>
             <a:rPr lang="en-US" sz="1000" kern="1200" dirty="0"/>
@@ -5846,7 +6116,7 @@
         </a:bodyPr>
         <a:lstStyle/>
         <a:p>
-          <a:pPr marL="0" lvl="0" indent="0" algn="ctr" defTabSz="444500">
+          <a:pPr lvl="0" algn="ctr" defTabSz="444500">
             <a:lnSpc>
               <a:spcPct val="90000"/>
             </a:lnSpc>
@@ -5856,7 +6126,6 @@
             <a:spcAft>
               <a:spcPct val="35000"/>
             </a:spcAft>
-            <a:buNone/>
           </a:pPr>
           <a:r>
             <a:rPr lang="en-US" sz="1000" kern="1200" dirty="0"/>
@@ -6120,7 +6389,7 @@
         </a:bodyPr>
         <a:lstStyle/>
         <a:p>
-          <a:pPr marL="0" lvl="0" indent="0" algn="ctr" defTabSz="711200">
+          <a:pPr lvl="0" algn="ctr" defTabSz="711200">
             <a:lnSpc>
               <a:spcPct val="90000"/>
             </a:lnSpc>
@@ -6130,7 +6399,6 @@
             <a:spcAft>
               <a:spcPct val="35000"/>
             </a:spcAft>
-            <a:buNone/>
           </a:pPr>
           <a:r>
             <a:rPr lang="en-US" sz="1600" kern="1200" dirty="0"/>
@@ -6198,7 +6466,7 @@
         </a:bodyPr>
         <a:lstStyle/>
         <a:p>
-          <a:pPr marL="0" lvl="0" indent="0" algn="ctr" defTabSz="311150">
+          <a:pPr lvl="0" algn="ctr" defTabSz="311150">
             <a:lnSpc>
               <a:spcPct val="90000"/>
             </a:lnSpc>
@@ -6208,7 +6476,6 @@
             <a:spcAft>
               <a:spcPct val="35000"/>
             </a:spcAft>
-            <a:buNone/>
           </a:pPr>
           <a:r>
             <a:rPr lang="en-US" sz="700" kern="1200" dirty="0"/>
@@ -6276,7 +6543,7 @@
         </a:bodyPr>
         <a:lstStyle/>
         <a:p>
-          <a:pPr marL="0" lvl="0" indent="0" algn="ctr" defTabSz="311150">
+          <a:pPr lvl="0" algn="ctr" defTabSz="311150">
             <a:lnSpc>
               <a:spcPct val="90000"/>
             </a:lnSpc>
@@ -6286,7 +6553,6 @@
             <a:spcAft>
               <a:spcPct val="35000"/>
             </a:spcAft>
-            <a:buNone/>
           </a:pPr>
           <a:r>
             <a:rPr lang="en-US" sz="700" kern="1200" dirty="0"/>
@@ -6354,7 +6620,7 @@
         </a:bodyPr>
         <a:lstStyle/>
         <a:p>
-          <a:pPr marL="0" lvl="0" indent="0" algn="ctr" defTabSz="311150">
+          <a:pPr lvl="0" algn="ctr" defTabSz="311150">
             <a:lnSpc>
               <a:spcPct val="90000"/>
             </a:lnSpc>
@@ -6364,7 +6630,6 @@
             <a:spcAft>
               <a:spcPct val="35000"/>
             </a:spcAft>
-            <a:buNone/>
           </a:pPr>
           <a:r>
             <a:rPr lang="en-US" sz="700" kern="1200" dirty="0"/>
@@ -6432,7 +6697,7 @@
         </a:bodyPr>
         <a:lstStyle/>
         <a:p>
-          <a:pPr marL="0" lvl="0" indent="0" algn="ctr" defTabSz="311150">
+          <a:pPr lvl="0" algn="ctr" defTabSz="311150">
             <a:lnSpc>
               <a:spcPct val="90000"/>
             </a:lnSpc>
@@ -6442,7 +6707,6 @@
             <a:spcAft>
               <a:spcPct val="35000"/>
             </a:spcAft>
-            <a:buNone/>
           </a:pPr>
           <a:r>
             <a:rPr lang="en-US" sz="700" kern="1200" dirty="0"/>
@@ -6706,7 +6970,7 @@
         </a:bodyPr>
         <a:lstStyle/>
         <a:p>
-          <a:pPr marL="0" lvl="0" indent="0" algn="ctr" defTabSz="577850">
+          <a:pPr lvl="0" algn="ctr" defTabSz="577850">
             <a:lnSpc>
               <a:spcPct val="90000"/>
             </a:lnSpc>
@@ -6716,7 +6980,6 @@
             <a:spcAft>
               <a:spcPct val="35000"/>
             </a:spcAft>
-            <a:buNone/>
           </a:pPr>
           <a:r>
             <a:rPr lang="en-US" sz="1300" kern="1200" dirty="0"/>
@@ -6784,7 +7047,7 @@
         </a:bodyPr>
         <a:lstStyle/>
         <a:p>
-          <a:pPr marL="0" lvl="0" indent="0" algn="ctr" defTabSz="400050">
+          <a:pPr lvl="0" algn="ctr" defTabSz="400050">
             <a:lnSpc>
               <a:spcPct val="90000"/>
             </a:lnSpc>
@@ -6794,7 +7057,6 @@
             <a:spcAft>
               <a:spcPct val="35000"/>
             </a:spcAft>
-            <a:buNone/>
           </a:pPr>
           <a:r>
             <a:rPr lang="en-US" sz="900" kern="1200" dirty="0"/>
@@ -6862,7 +7124,7 @@
         </a:bodyPr>
         <a:lstStyle/>
         <a:p>
-          <a:pPr marL="0" lvl="0" indent="0" algn="ctr" defTabSz="400050">
+          <a:pPr lvl="0" algn="ctr" defTabSz="400050">
             <a:lnSpc>
               <a:spcPct val="90000"/>
             </a:lnSpc>
@@ -6872,7 +7134,6 @@
             <a:spcAft>
               <a:spcPct val="35000"/>
             </a:spcAft>
-            <a:buNone/>
           </a:pPr>
           <a:r>
             <a:rPr lang="en-US" sz="900" kern="1200" dirty="0"/>
@@ -6940,7 +7201,7 @@
         </a:bodyPr>
         <a:lstStyle/>
         <a:p>
-          <a:pPr marL="0" lvl="0" indent="0" algn="ctr" defTabSz="400050">
+          <a:pPr lvl="0" algn="ctr" defTabSz="400050">
             <a:lnSpc>
               <a:spcPct val="90000"/>
             </a:lnSpc>
@@ -6950,7 +7211,6 @@
             <a:spcAft>
               <a:spcPct val="35000"/>
             </a:spcAft>
-            <a:buNone/>
           </a:pPr>
           <a:r>
             <a:rPr lang="en-US" sz="900" kern="1200" dirty="0"/>
@@ -7018,7 +7278,7 @@
         </a:bodyPr>
         <a:lstStyle/>
         <a:p>
-          <a:pPr marL="0" lvl="0" indent="0" algn="ctr" defTabSz="400050">
+          <a:pPr lvl="0" algn="ctr" defTabSz="400050">
             <a:lnSpc>
               <a:spcPct val="90000"/>
             </a:lnSpc>
@@ -7028,7 +7288,6 @@
             <a:spcAft>
               <a:spcPct val="35000"/>
             </a:spcAft>
-            <a:buNone/>
           </a:pPr>
           <a:r>
             <a:rPr lang="en-US" sz="900" kern="1200" dirty="0"/>
@@ -13359,7 +13618,7 @@
           <a:p>
             <a:fld id="{AC8CEC3D-96F7-401F-9673-3EE7F75C9C5B}" type="datetimeFigureOut">
               <a:rPr lang="en-US"/>
-              <a:t>11/28/2016</a:t>
+              <a:t>11/28/16</a:t>
             </a:fld>
             <a:endParaRPr dirty="0"/>
           </a:p>
@@ -13524,7 +13783,7 @@
           <a:p>
             <a:fld id="{F032BCF4-D26D-4DAF-9F57-FE1E61FE7935}" type="datetimeFigureOut">
               <a:rPr lang="en-US"/>
-              <a:t>11/28/2016</a:t>
+              <a:t>11/28/16</a:t>
             </a:fld>
             <a:endParaRPr dirty="0"/>
           </a:p>
@@ -14116,7 +14375,7 @@
           <a:p>
             <a:fld id="{DAD2365B-5397-4552-89D2-3C31D6B894C4}" type="datetime1">
               <a:rPr lang="en-US" smtClean="0"/>
-              <a:t>11/28/2016</a:t>
+              <a:t>11/28/16</a:t>
             </a:fld>
             <a:endParaRPr lang="en-US" dirty="0"/>
           </a:p>
@@ -14396,7 +14655,7 @@
           <a:p>
             <a:fld id="{3718D474-84CF-40A5-B032-DFFDE135438A}" type="datetime1">
               <a:rPr lang="en-US" smtClean="0"/>
-              <a:t>11/28/2016</a:t>
+              <a:t>11/28/16</a:t>
             </a:fld>
             <a:endParaRPr lang="en-US" dirty="0"/>
           </a:p>
@@ -14594,7 +14853,7 @@
           <a:p>
             <a:fld id="{7067C6EF-6B90-465F-AC36-47BDECADBD65}" type="datetime1">
               <a:rPr lang="en-US" smtClean="0"/>
-              <a:t>11/28/2016</a:t>
+              <a:t>11/28/16</a:t>
             </a:fld>
             <a:endParaRPr lang="en-US" dirty="0"/>
           </a:p>
@@ -14802,7 +15061,7 @@
           <a:p>
             <a:fld id="{ED1E4A86-2703-4937-ABF7-D8FBDB5C3D3E}" type="datetime1">
               <a:rPr lang="en-US" smtClean="0"/>
-              <a:t>11/28/2016</a:t>
+              <a:t>11/28/16</a:t>
             </a:fld>
             <a:endParaRPr lang="en-US" dirty="0"/>
           </a:p>
@@ -15000,7 +15259,7 @@
           <a:p>
             <a:fld id="{12E02F23-BD92-4B7B-9DFF-42EEC8F21ED4}" type="datetime1">
               <a:rPr lang="en-US" smtClean="0"/>
-              <a:t>11/28/2016</a:t>
+              <a:t>11/28/16</a:t>
             </a:fld>
             <a:endParaRPr lang="en-US" dirty="0"/>
           </a:p>
@@ -15264,7 +15523,7 @@
           <a:p>
             <a:fld id="{8814B7EA-8738-442B-ADC7-3A7E6F5C49CD}" type="datetime1">
               <a:rPr lang="en-US" smtClean="0"/>
-              <a:t>11/28/2016</a:t>
+              <a:t>11/28/16</a:t>
             </a:fld>
             <a:endParaRPr lang="en-US" dirty="0"/>
           </a:p>
@@ -15564,7 +15823,7 @@
           <a:p>
             <a:fld id="{8FE5692D-78A6-499F-901A-E660774CC8EE}" type="datetime1">
               <a:rPr lang="en-US" smtClean="0"/>
-              <a:t>11/28/2016</a:t>
+              <a:t>11/28/16</a:t>
             </a:fld>
             <a:endParaRPr lang="en-US" dirty="0"/>
           </a:p>
@@ -16013,7 +16272,7 @@
           <a:p>
             <a:fld id="{6776F355-F21B-43C0-ABBD-B5AEBBE279A6}" type="datetime1">
               <a:rPr lang="en-US" smtClean="0"/>
-              <a:t>11/28/2016</a:t>
+              <a:t>11/28/16</a:t>
             </a:fld>
             <a:endParaRPr lang="en-US" dirty="0"/>
           </a:p>
@@ -16143,7 +16402,7 @@
           <a:p>
             <a:fld id="{C0AB95E7-F437-40FB-91EE-0B08B57CB523}" type="datetime1">
               <a:rPr lang="en-US" smtClean="0"/>
-              <a:t>11/28/2016</a:t>
+              <a:t>11/28/16</a:t>
             </a:fld>
             <a:endParaRPr lang="en-US" dirty="0"/>
           </a:p>
@@ -16250,7 +16509,7 @@
           <a:p>
             <a:fld id="{67709EEF-87D9-4049-9A5D-A2B5E4C83A85}" type="datetime1">
               <a:rPr lang="en-US" smtClean="0"/>
-              <a:t>11/28/2016</a:t>
+              <a:t>11/28/16</a:t>
             </a:fld>
             <a:endParaRPr lang="en-US" dirty="0"/>
           </a:p>
@@ -16548,7 +16807,7 @@
           <a:p>
             <a:fld id="{CAEBD992-82F2-4752-BCD7-4BDCCFA26099}" type="datetime1">
               <a:rPr lang="en-US" smtClean="0"/>
-              <a:t>11/28/2016</a:t>
+              <a:t>11/28/16</a:t>
             </a:fld>
             <a:endParaRPr lang="en-US" dirty="0"/>
           </a:p>
@@ -16927,7 +17186,7 @@
             <a:fld id="{7590C4DA-EDE6-465C-B91D-0B6D7078AFBA}" type="datetime1">
               <a:rPr lang="en-US" smtClean="0"/>
               <a:pPr/>
-              <a:t>11/28/2016</a:t>
+              <a:t>11/28/16</a:t>
             </a:fld>
             <a:endParaRPr lang="en-US" dirty="0"/>
           </a:p>
@@ -17556,15 +17815,31 @@
             <a:br>
               <a:rPr lang="en-US" dirty="0"/>
             </a:br>
+            <a:r>
+              <a:rPr lang="en-US" dirty="0"/>
+              <a:t/>
+            </a:r>
             <a:br>
               <a:rPr lang="en-US" dirty="0"/>
             </a:br>
+            <a:r>
+              <a:rPr lang="en-US" dirty="0"/>
+              <a:t/>
+            </a:r>
             <a:br>
               <a:rPr lang="en-US" dirty="0"/>
             </a:br>
+            <a:r>
+              <a:rPr lang="en-US" dirty="0"/>
+              <a:t/>
+            </a:r>
             <a:br>
               <a:rPr lang="en-US" dirty="0"/>
             </a:br>
+            <a:r>
+              <a:rPr lang="en-US" dirty="0"/>
+              <a:t/>
+            </a:r>
             <a:br>
               <a:rPr lang="en-US" dirty="0"/>
             </a:br>
@@ -17594,6 +17869,13 @@
       </p:transition>
     </mc:Fallback>
   </mc:AlternateContent>
+  <p:timing>
+    <p:tnLst>
+      <p:par>
+        <p:cTn id="1" dur="indefinite" restart="never" nodeType="tmRoot"/>
+      </p:par>
+    </p:tnLst>
+  </p:timing>
 </p:sld>
 </file>
 
@@ -17614,9 +17896,33 @@
           <a:chExt cx="0" cy="0"/>
         </a:xfrm>
       </p:grpSpPr>
+      <p:pic>
+        <p:nvPicPr>
+          <p:cNvPr id="4" name="Picture 3"/>
+          <p:cNvPicPr>
+            <a:picLocks noChangeAspect="1"/>
+          </p:cNvPicPr>
+          <p:nvPr/>
+        </p:nvPicPr>
+        <p:blipFill>
+          <a:blip r:embed="rId3"/>
+          <a:stretch>
+            <a:fillRect/>
+          </a:stretch>
+        </p:blipFill>
+        <p:spPr>
+          <a:xfrm>
+            <a:off x="2284412" y="0"/>
+            <a:ext cx="7222855" cy="6873362"/>
+          </a:xfrm>
+          <a:prstGeom prst="rect">
+            <a:avLst/>
+          </a:prstGeom>
+        </p:spPr>
+      </p:pic>
       <p:sp>
         <p:nvSpPr>
-          <p:cNvPr id="3" name="Content Placeholder 2"/>
+          <p:cNvPr id="5" name="Content Placeholder 4"/>
           <p:cNvSpPr>
             <a:spLocks noGrp="1"/>
           </p:cNvSpPr>
@@ -17629,43 +17935,14 @@
           <a:bodyPr/>
           <a:lstStyle/>
           <a:p>
-            <a:r>
-              <a:rPr lang="en-US"/>
-              <a:t>Briefly introduce yourself and your colleagues.</a:t>
-            </a:r>
-          </a:p>
-          <a:p>
-            <a:r>
-              <a:rPr lang="en-US"/>
-              <a:t>Describe the products or services your company provides at a </a:t>
-            </a:r>
-            <a:br>
-              <a:rPr lang="en-US"/>
-            </a:br>
-            <a:r>
-              <a:rPr lang="en-US"/>
-              <a:t>high level. </a:t>
-            </a:r>
-          </a:p>
-          <a:p>
-            <a:r>
-              <a:rPr lang="en-US"/>
-              <a:t>Example:</a:t>
-            </a:r>
-          </a:p>
-          <a:p>
-            <a:pPr lvl="1"/>
-            <a:r>
-              <a:rPr lang="en-US"/>
-              <a:t>Trey Research offers complete solutions for strategic market planning, from global business intelligence reports to targeted market analysis.</a:t>
-            </a:r>
-            <a:endParaRPr lang="en-US" dirty="0"/>
+            <a:pPr algn="ctr"/>
+            <a:endParaRPr lang="en-US"/>
           </a:p>
         </p:txBody>
       </p:sp>
       <p:sp>
         <p:nvSpPr>
-          <p:cNvPr id="2" name="Title 1"/>
+          <p:cNvPr id="6" name="Title 5"/>
           <p:cNvSpPr>
             <a:spLocks noGrp="1"/>
           </p:cNvSpPr>
@@ -17678,11 +17955,7 @@
           <a:bodyPr/>
           <a:lstStyle/>
           <a:p>
-            <a:r>
-              <a:rPr lang="en-US"/>
-              <a:t>Introduction</a:t>
-            </a:r>
-            <a:endParaRPr lang="en-US" dirty="0"/>
+            <a:endParaRPr lang="en-US"/>
           </a:p>
         </p:txBody>
       </p:sp>
@@ -17708,6 +17981,13 @@
       </p:transition>
     </mc:Fallback>
   </mc:AlternateContent>
+  <p:timing>
+    <p:tnLst>
+      <p:par>
+        <p:cTn id="1" dur="indefinite" restart="never" nodeType="tmRoot"/>
+      </p:par>
+    </p:tnLst>
+  </p:timing>
 </p:sld>
 </file>
 
@@ -17730,92 +18010,6 @@
       </p:grpSpPr>
       <p:sp>
         <p:nvSpPr>
-          <p:cNvPr id="3" name="Content Placeholder 2"/>
-          <p:cNvSpPr>
-            <a:spLocks noGrp="1"/>
-          </p:cNvSpPr>
-          <p:nvPr>
-            <p:ph idx="1"/>
-          </p:nvPr>
-        </p:nvSpPr>
-        <p:spPr/>
-        <p:txBody>
-          <a:bodyPr>
-            <a:normAutofit lnSpcReduction="10000"/>
-          </a:bodyPr>
-          <a:lstStyle/>
-          <a:p>
-            <a:r>
-              <a:rPr lang="en-US" dirty="0"/>
-              <a:t>State the customer’s needs and requirements as you </a:t>
-            </a:r>
-            <a:br>
-              <a:rPr lang="en-US" dirty="0"/>
-            </a:br>
-            <a:r>
-              <a:rPr lang="en-US" dirty="0"/>
-              <a:t>understand them.</a:t>
-            </a:r>
-          </a:p>
-          <a:p>
-            <a:r>
-              <a:rPr lang="en-US" dirty="0"/>
-              <a:t>Example:</a:t>
-            </a:r>
-          </a:p>
-          <a:p>
-            <a:pPr lvl="1"/>
-            <a:r>
-              <a:rPr lang="en-US" dirty="0"/>
-              <a:t>Contoso, Ltd. has several new products in research and development that are scheduled to go to market in FY [Date].</a:t>
-            </a:r>
-          </a:p>
-          <a:p>
-            <a:pPr lvl="1"/>
-            <a:r>
-              <a:rPr lang="en-US" dirty="0"/>
-              <a:t>Now is the time:</a:t>
-            </a:r>
-          </a:p>
-          <a:p>
-            <a:pPr lvl="2"/>
-            <a:r>
-              <a:rPr lang="en-US" dirty="0"/>
-              <a:t>to identify the target market for these products.</a:t>
-            </a:r>
-          </a:p>
-          <a:p>
-            <a:pPr lvl="2"/>
-            <a:r>
-              <a:rPr lang="en-US" dirty="0"/>
-              <a:t>to understand how to best brand and position them.</a:t>
-            </a:r>
-          </a:p>
-          <a:p>
-            <a:pPr lvl="2"/>
-            <a:r>
-              <a:rPr lang="en-US" dirty="0"/>
-              <a:t>to identify competitors and benchmark their success.</a:t>
-            </a:r>
-          </a:p>
-          <a:p>
-            <a:pPr lvl="1"/>
-            <a:r>
-              <a:rPr lang="en-US" dirty="0"/>
-              <a:t>Also consider ongoing support to help you respond to changes in </a:t>
-            </a:r>
-            <a:br>
-              <a:rPr lang="en-US" dirty="0"/>
-            </a:br>
-            <a:r>
-              <a:rPr lang="en-US" dirty="0"/>
-              <a:t>your market.</a:t>
-            </a:r>
-          </a:p>
-        </p:txBody>
-      </p:sp>
-      <p:sp>
-        <p:nvSpPr>
           <p:cNvPr id="2" name="Title 1"/>
           <p:cNvSpPr>
             <a:spLocks noGrp="1"/>
@@ -17829,14 +18023,42 @@
           <a:bodyPr/>
           <a:lstStyle/>
           <a:p>
-            <a:r>
-              <a:rPr lang="en-US"/>
-              <a:t>Business Opportunities</a:t>
-            </a:r>
             <a:endParaRPr lang="en-US" dirty="0"/>
           </a:p>
         </p:txBody>
       </p:sp>
+      <p:pic>
+        <p:nvPicPr>
+          <p:cNvPr id="4" name="Content Placeholder 3"/>
+          <p:cNvPicPr>
+            <a:picLocks noGrp="1"/>
+          </p:cNvPicPr>
+          <p:nvPr>
+            <p:ph idx="1"/>
+          </p:nvPr>
+        </p:nvPicPr>
+        <p:blipFill>
+          <a:blip r:embed="rId2">
+            <a:extLst>
+              <a:ext uri="{28A0092B-C50C-407E-A947-70E740481C1C}">
+                <a14:useLocalDpi xmlns:a14="http://schemas.microsoft.com/office/drawing/2010/main" val="0"/>
+              </a:ext>
+            </a:extLst>
+          </a:blip>
+          <a:stretch>
+            <a:fillRect/>
+          </a:stretch>
+        </p:blipFill>
+        <p:spPr>
+          <a:xfrm>
+            <a:off x="-1" y="0"/>
+            <a:ext cx="12188825" cy="6858000"/>
+          </a:xfrm>
+          <a:prstGeom prst="rect">
+            <a:avLst/>
+          </a:prstGeom>
+        </p:spPr>
+      </p:pic>
     </p:spTree>
     <p:extLst>
       <p:ext uri="{BB962C8B-B14F-4D97-AF65-F5344CB8AC3E}">
@@ -17859,6 +18081,13 @@
       </p:transition>
     </mc:Fallback>
   </mc:AlternateContent>
+  <p:timing>
+    <p:tnLst>
+      <p:par>
+        <p:cTn id="1" dur="indefinite" restart="never" nodeType="tmRoot"/>
+      </p:par>
+    </p:tnLst>
+  </p:timing>
 </p:sld>
 </file>
 
@@ -17985,6 +18214,13 @@
       </p:transition>
     </mc:Fallback>
   </mc:AlternateContent>
+  <p:timing>
+    <p:tnLst>
+      <p:par>
+        <p:cTn id="1" dur="indefinite" restart="never" nodeType="tmRoot"/>
+      </p:par>
+    </p:tnLst>
+  </p:timing>
 </p:sld>
 </file>
 
@@ -18068,21 +18304,21 @@
                 <a:gridCol w="2514599">
                   <a:extLst>
                     <a:ext uri="{9D8B030D-6E8A-4147-A177-3AD203B41FA5}">
-                      <a16:colId xmlns:a16="http://schemas.microsoft.com/office/drawing/2014/main" val="20000"/>
+                      <a16:colId xmlns:a16="http://schemas.microsoft.com/office/drawing/2014/main" xmlns="" val="20000"/>
                     </a:ext>
                   </a:extLst>
                 </a:gridCol>
                 <a:gridCol w="1143000">
                   <a:extLst>
                     <a:ext uri="{9D8B030D-6E8A-4147-A177-3AD203B41FA5}">
-                      <a16:colId xmlns:a16="http://schemas.microsoft.com/office/drawing/2014/main" val="20001"/>
+                      <a16:colId xmlns:a16="http://schemas.microsoft.com/office/drawing/2014/main" xmlns="" val="20001"/>
                     </a:ext>
                   </a:extLst>
                 </a:gridCol>
                 <a:gridCol w="1371602">
                   <a:extLst>
                     <a:ext uri="{9D8B030D-6E8A-4147-A177-3AD203B41FA5}">
-                      <a16:colId xmlns:a16="http://schemas.microsoft.com/office/drawing/2014/main" val="20002"/>
+                      <a16:colId xmlns:a16="http://schemas.microsoft.com/office/drawing/2014/main" xmlns="" val="20002"/>
                     </a:ext>
                   </a:extLst>
                 </a:gridCol>
@@ -18648,7 +18884,7 @@
                 </a:tc>
                 <a:extLst>
                   <a:ext uri="{0D108BD9-81ED-4DB2-BD59-A6C34878D82A}">
-                    <a16:rowId xmlns:a16="http://schemas.microsoft.com/office/drawing/2014/main" val="10000"/>
+                    <a16:rowId xmlns:a16="http://schemas.microsoft.com/office/drawing/2014/main" xmlns="" val="10000"/>
                   </a:ext>
                 </a:extLst>
               </a:tr>
@@ -19213,7 +19449,7 @@
                 </a:tc>
                 <a:extLst>
                   <a:ext uri="{0D108BD9-81ED-4DB2-BD59-A6C34878D82A}">
-                    <a16:rowId xmlns:a16="http://schemas.microsoft.com/office/drawing/2014/main" val="10001"/>
+                    <a16:rowId xmlns:a16="http://schemas.microsoft.com/office/drawing/2014/main" xmlns="" val="10001"/>
                   </a:ext>
                 </a:extLst>
               </a:tr>
@@ -19778,7 +20014,7 @@
                 </a:tc>
                 <a:extLst>
                   <a:ext uri="{0D108BD9-81ED-4DB2-BD59-A6C34878D82A}">
-                    <a16:rowId xmlns:a16="http://schemas.microsoft.com/office/drawing/2014/main" val="10002"/>
+                    <a16:rowId xmlns:a16="http://schemas.microsoft.com/office/drawing/2014/main" xmlns="" val="10002"/>
                   </a:ext>
                 </a:extLst>
               </a:tr>
@@ -20343,7 +20579,7 @@
                 </a:tc>
                 <a:extLst>
                   <a:ext uri="{0D108BD9-81ED-4DB2-BD59-A6C34878D82A}">
-                    <a16:rowId xmlns:a16="http://schemas.microsoft.com/office/drawing/2014/main" val="10003"/>
+                    <a16:rowId xmlns:a16="http://schemas.microsoft.com/office/drawing/2014/main" xmlns="" val="10003"/>
                   </a:ext>
                 </a:extLst>
               </a:tr>
@@ -20908,7 +21144,7 @@
                 </a:tc>
                 <a:extLst>
                   <a:ext uri="{0D108BD9-81ED-4DB2-BD59-A6C34878D82A}">
-                    <a16:rowId xmlns:a16="http://schemas.microsoft.com/office/drawing/2014/main" val="10004"/>
+                    <a16:rowId xmlns:a16="http://schemas.microsoft.com/office/drawing/2014/main" xmlns="" val="10004"/>
                   </a:ext>
                 </a:extLst>
               </a:tr>
@@ -21473,7 +21709,7 @@
                 </a:tc>
                 <a:extLst>
                   <a:ext uri="{0D108BD9-81ED-4DB2-BD59-A6C34878D82A}">
-                    <a16:rowId xmlns:a16="http://schemas.microsoft.com/office/drawing/2014/main" val="10005"/>
+                    <a16:rowId xmlns:a16="http://schemas.microsoft.com/office/drawing/2014/main" xmlns="" val="10005"/>
                   </a:ext>
                 </a:extLst>
               </a:tr>
@@ -22038,7 +22274,7 @@
                 </a:tc>
                 <a:extLst>
                   <a:ext uri="{0D108BD9-81ED-4DB2-BD59-A6C34878D82A}">
-                    <a16:rowId xmlns:a16="http://schemas.microsoft.com/office/drawing/2014/main" val="10006"/>
+                    <a16:rowId xmlns:a16="http://schemas.microsoft.com/office/drawing/2014/main" xmlns="" val="10006"/>
                   </a:ext>
                 </a:extLst>
               </a:tr>
@@ -22603,7 +22839,7 @@
                 </a:tc>
                 <a:extLst>
                   <a:ext uri="{0D108BD9-81ED-4DB2-BD59-A6C34878D82A}">
-                    <a16:rowId xmlns:a16="http://schemas.microsoft.com/office/drawing/2014/main" val="10007"/>
+                    <a16:rowId xmlns:a16="http://schemas.microsoft.com/office/drawing/2014/main" xmlns="" val="10007"/>
                   </a:ext>
                 </a:extLst>
               </a:tr>
